--- a/database/slides/WALKING_WITH_THE_LORD.pptx
+++ b/database/slides/WALKING_WITH_THE_LORD.pptx
@@ -16134,7 +16134,13 @@
       </p:sp>
       <p:sp>
         <p:nvSpPr>
-          <p:cNvPr id="131" name="Google Shape;131;p25"/>
+          <p:cNvPr id="2" name="Google Shape;131;p25">
+            <a:extLst>
+              <a:ext uri="{FF2B5EF4-FFF2-40B4-BE49-F238E27FC236}">
+                <a16:creationId xmlns:a16="http://schemas.microsoft.com/office/drawing/2014/main" id="{96801473-EDD3-1564-FC9C-BAC6E901B0DD}"/>
+              </a:ext>
+            </a:extLst>
+          </p:cNvPr>
           <p:cNvSpPr txBox="1"/>
           <p:nvPr/>
         </p:nvSpPr>
@@ -16157,11 +16163,19 @@
           </a:bodyPr>
           <a:lstStyle/>
           <a:p>
-            <a:pPr>
+            <a:pPr marL="0" lvl="0" indent="0" algn="l" rtl="0">
+              <a:spcBef>
+                <a:spcPts val="0"/>
+              </a:spcBef>
+              <a:spcAft>
+                <a:spcPts val="0"/>
+              </a:spcAft>
               <a:buClr>
                 <a:schemeClr val="lt1"/>
               </a:buClr>
               <a:buSzPts val="3200"/>
+              <a:buFont typeface="Arial"/>
+              <a:buNone/>
             </a:pPr>
             <a:r>
               <a:rPr lang="en-GB" sz="3600" b="1" i="1" dirty="0">
@@ -16175,7 +16189,7 @@
               </a:rPr>
               <a:t>contd..</a:t>
             </a:r>
-            <a:endParaRPr lang="en-GB" sz="3600" dirty="0">
+            <a:endParaRPr sz="3600" dirty="0">
               <a:latin typeface="Calibri"/>
               <a:ea typeface="Calibri"/>
               <a:cs typeface="Calibri"/>
@@ -16470,7 +16484,13 @@
       </p:sp>
       <p:sp>
         <p:nvSpPr>
-          <p:cNvPr id="131" name="Google Shape;131;p25"/>
+          <p:cNvPr id="2" name="Google Shape;131;p25">
+            <a:extLst>
+              <a:ext uri="{FF2B5EF4-FFF2-40B4-BE49-F238E27FC236}">
+                <a16:creationId xmlns:a16="http://schemas.microsoft.com/office/drawing/2014/main" id="{85FF6C30-4662-7D64-0D29-AE8D6CC7290F}"/>
+              </a:ext>
+            </a:extLst>
+          </p:cNvPr>
           <p:cNvSpPr txBox="1"/>
           <p:nvPr/>
         </p:nvSpPr>
@@ -16493,11 +16513,19 @@
           </a:bodyPr>
           <a:lstStyle/>
           <a:p>
-            <a:pPr>
+            <a:pPr marL="0" lvl="0" indent="0" algn="l" rtl="0">
+              <a:spcBef>
+                <a:spcPts val="0"/>
+              </a:spcBef>
+              <a:spcAft>
+                <a:spcPts val="0"/>
+              </a:spcAft>
               <a:buClr>
                 <a:schemeClr val="lt1"/>
               </a:buClr>
               <a:buSzPts val="3200"/>
+              <a:buFont typeface="Arial"/>
+              <a:buNone/>
             </a:pPr>
             <a:r>
               <a:rPr lang="en-GB" sz="3600" b="1" i="1" dirty="0">
@@ -16511,7 +16539,7 @@
               </a:rPr>
               <a:t>contd..</a:t>
             </a:r>
-            <a:endParaRPr lang="en-GB" sz="3600" dirty="0">
+            <a:endParaRPr sz="3600" dirty="0">
               <a:latin typeface="Calibri"/>
               <a:ea typeface="Calibri"/>
               <a:cs typeface="Calibri"/>
@@ -17167,7 +17195,13 @@
       </p:sp>
       <p:sp>
         <p:nvSpPr>
-          <p:cNvPr id="131" name="Google Shape;131;p25"/>
+          <p:cNvPr id="2" name="Google Shape;131;p25">
+            <a:extLst>
+              <a:ext uri="{FF2B5EF4-FFF2-40B4-BE49-F238E27FC236}">
+                <a16:creationId xmlns:a16="http://schemas.microsoft.com/office/drawing/2014/main" id="{088840D3-A1C4-E2C0-2F91-3ACADFA9337F}"/>
+              </a:ext>
+            </a:extLst>
+          </p:cNvPr>
           <p:cNvSpPr txBox="1"/>
           <p:nvPr/>
         </p:nvSpPr>
@@ -17190,11 +17224,19 @@
           </a:bodyPr>
           <a:lstStyle/>
           <a:p>
-            <a:pPr>
+            <a:pPr marL="0" lvl="0" indent="0" algn="l" rtl="0">
+              <a:spcBef>
+                <a:spcPts val="0"/>
+              </a:spcBef>
+              <a:spcAft>
+                <a:spcPts val="0"/>
+              </a:spcAft>
               <a:buClr>
                 <a:schemeClr val="lt1"/>
               </a:buClr>
               <a:buSzPts val="3200"/>
+              <a:buFont typeface="Arial"/>
+              <a:buNone/>
             </a:pPr>
             <a:r>
               <a:rPr lang="en-GB" sz="3600" b="1" i="1" dirty="0">
@@ -17208,7 +17250,7 @@
               </a:rPr>
               <a:t>contd..</a:t>
             </a:r>
-            <a:endParaRPr lang="en-GB" sz="3600" dirty="0">
+            <a:endParaRPr sz="3600" dirty="0">
               <a:latin typeface="Calibri"/>
               <a:ea typeface="Calibri"/>
               <a:cs typeface="Calibri"/>

--- a/database/slides/WALKING_WITH_THE_LORD.pptx
+++ b/database/slides/WALKING_WITH_THE_LORD.pptx
@@ -16134,10 +16134,10 @@
       </p:sp>
       <p:sp>
         <p:nvSpPr>
-          <p:cNvPr id="2" name="Google Shape;131;p25">
+          <p:cNvPr id="3" name="Google Shape;131;p25">
             <a:extLst>
               <a:ext uri="{FF2B5EF4-FFF2-40B4-BE49-F238E27FC236}">
-                <a16:creationId xmlns:a16="http://schemas.microsoft.com/office/drawing/2014/main" id="{96801473-EDD3-1564-FC9C-BAC6E901B0DD}"/>
+                <a16:creationId xmlns:a16="http://schemas.microsoft.com/office/drawing/2014/main" id="{8E4C9C56-F9B5-A0A5-7517-0796C704390F}"/>
               </a:ext>
             </a:extLst>
           </p:cNvPr>
@@ -16484,10 +16484,10 @@
       </p:sp>
       <p:sp>
         <p:nvSpPr>
-          <p:cNvPr id="2" name="Google Shape;131;p25">
+          <p:cNvPr id="3" name="Google Shape;131;p25">
             <a:extLst>
               <a:ext uri="{FF2B5EF4-FFF2-40B4-BE49-F238E27FC236}">
-                <a16:creationId xmlns:a16="http://schemas.microsoft.com/office/drawing/2014/main" id="{85FF6C30-4662-7D64-0D29-AE8D6CC7290F}"/>
+                <a16:creationId xmlns:a16="http://schemas.microsoft.com/office/drawing/2014/main" id="{7815A1E4-3CBE-91FB-CF56-239D36E1A4D6}"/>
               </a:ext>
             </a:extLst>
           </p:cNvPr>
@@ -16859,7 +16859,13 @@
       </p:sp>
       <p:sp>
         <p:nvSpPr>
-          <p:cNvPr id="131" name="Google Shape;131;p25"/>
+          <p:cNvPr id="2" name="Google Shape;131;p25">
+            <a:extLst>
+              <a:ext uri="{FF2B5EF4-FFF2-40B4-BE49-F238E27FC236}">
+                <a16:creationId xmlns:a16="http://schemas.microsoft.com/office/drawing/2014/main" id="{D2BB7CE7-0475-22FF-5C8F-149D20ABB36B}"/>
+              </a:ext>
+            </a:extLst>
+          </p:cNvPr>
           <p:cNvSpPr txBox="1"/>
           <p:nvPr/>
         </p:nvSpPr>
@@ -16882,11 +16888,19 @@
           </a:bodyPr>
           <a:lstStyle/>
           <a:p>
-            <a:pPr>
+            <a:pPr marL="0" lvl="0" indent="0" algn="l" rtl="0">
+              <a:spcBef>
+                <a:spcPts val="0"/>
+              </a:spcBef>
+              <a:spcAft>
+                <a:spcPts val="0"/>
+              </a:spcAft>
               <a:buClr>
                 <a:schemeClr val="lt1"/>
               </a:buClr>
               <a:buSzPts val="3200"/>
+              <a:buFont typeface="Arial"/>
+              <a:buNone/>
             </a:pPr>
             <a:r>
               <a:rPr lang="en-GB" sz="3600" b="1" i="1" dirty="0">
@@ -16900,7 +16914,7 @@
               </a:rPr>
               <a:t>contd..</a:t>
             </a:r>
-            <a:endParaRPr lang="en-GB" sz="3600" dirty="0">
+            <a:endParaRPr sz="3600" dirty="0">
               <a:latin typeface="Calibri"/>
               <a:ea typeface="Calibri"/>
               <a:cs typeface="Calibri"/>
@@ -17195,10 +17209,10 @@
       </p:sp>
       <p:sp>
         <p:nvSpPr>
-          <p:cNvPr id="2" name="Google Shape;131;p25">
+          <p:cNvPr id="3" name="Google Shape;131;p25">
             <a:extLst>
               <a:ext uri="{FF2B5EF4-FFF2-40B4-BE49-F238E27FC236}">
-                <a16:creationId xmlns:a16="http://schemas.microsoft.com/office/drawing/2014/main" id="{088840D3-A1C4-E2C0-2F91-3ACADFA9337F}"/>
+                <a16:creationId xmlns:a16="http://schemas.microsoft.com/office/drawing/2014/main" id="{2D9BD03F-2927-D914-38C0-9E0D5E458E2F}"/>
               </a:ext>
             </a:extLst>
           </p:cNvPr>

--- a/database/slides/WALKING_WITH_THE_LORD.pptx
+++ b/database/slides/WALKING_WITH_THE_LORD.pptx
@@ -16427,8 +16427,27 @@
                 <a:ea typeface="Calibri" panose="020F0502020204030204" pitchFamily="34" charset="0"/>
                 <a:cs typeface="Calibri" panose="020F0502020204030204" pitchFamily="34" charset="0"/>
               </a:rPr>
-              <a:t>Singing new songs now, living new lives now,</a:t>
+              <a:t>Singing new songs now, living </a:t>
             </a:r>
+            <a:r>
+              <a:rPr lang="en-GB" sz="3600" b="1">
+                <a:solidFill>
+                  <a:schemeClr val="bg1"/>
+                </a:solidFill>
+                <a:latin typeface="Calibri" panose="020F0502020204030204" pitchFamily="34" charset="0"/>
+                <a:ea typeface="Calibri" panose="020F0502020204030204" pitchFamily="34" charset="0"/>
+                <a:cs typeface="Calibri" panose="020F0502020204030204" pitchFamily="34" charset="0"/>
+              </a:rPr>
+              <a:t>new lives,</a:t>
+            </a:r>
+            <a:endParaRPr lang="en-GB" sz="3600" b="1" dirty="0">
+              <a:solidFill>
+                <a:schemeClr val="bg1"/>
+              </a:solidFill>
+              <a:latin typeface="Calibri" panose="020F0502020204030204" pitchFamily="34" charset="0"/>
+              <a:ea typeface="Calibri" panose="020F0502020204030204" pitchFamily="34" charset="0"/>
+              <a:cs typeface="Calibri" panose="020F0502020204030204" pitchFamily="34" charset="0"/>
+            </a:endParaRPr>
           </a:p>
           <a:p>
             <a:pPr marL="114300" indent="0">
